--- a/Others/Pictures hand made.pptx
+++ b/Others/Pictures hand made.pptx
@@ -104,7 +104,73 @@
       </a:defRPr>
     </a:lvl9pPr>
   </p:defaultTextStyle>
+  <p:extLst>
+    <p:ext uri="{EFAFB233-063F-42B5-8137-9DF3F51BA10A}">
+      <p15:sldGuideLst xmlns:p15="http://schemas.microsoft.com/office/powerpoint/2012/main"/>
+    </p:ext>
+  </p:extLst>
 </p:presentation>
+</file>
+
+<file path=ppt/changesInfos/changesInfo1.xml><?xml version="1.0" encoding="utf-8"?>
+<pc:chgInfo xmlns:a="http://schemas.openxmlformats.org/drawingml/2006/main" xmlns:r="http://schemas.openxmlformats.org/officeDocument/2006/relationships" xmlns:ac="http://schemas.microsoft.com/office/drawing/2013/main/command" xmlns:pc="http://schemas.microsoft.com/office/powerpoint/2013/main/command">
+  <pc:docChgLst>
+    <pc:chgData name="JAIME ANDRES POLANCO JIMENEZ" userId="f2f84798-1db9-4eff-baa4-ddb058c86f8b" providerId="ADAL" clId="{98F585FF-9821-0643-9956-B8E52E636CC7}"/>
+    <pc:docChg chg="custSel modSld">
+      <pc:chgData name="JAIME ANDRES POLANCO JIMENEZ" userId="f2f84798-1db9-4eff-baa4-ddb058c86f8b" providerId="ADAL" clId="{98F585FF-9821-0643-9956-B8E52E636CC7}" dt="2024-08-22T04:08:20.846" v="20" actId="1076"/>
+      <pc:docMkLst>
+        <pc:docMk/>
+      </pc:docMkLst>
+      <pc:sldChg chg="delSp modSp mod">
+        <pc:chgData name="JAIME ANDRES POLANCO JIMENEZ" userId="f2f84798-1db9-4eff-baa4-ddb058c86f8b" providerId="ADAL" clId="{98F585FF-9821-0643-9956-B8E52E636CC7}" dt="2024-08-22T04:08:20.846" v="20" actId="1076"/>
+        <pc:sldMkLst>
+          <pc:docMk/>
+          <pc:sldMk cId="1726480543" sldId="256"/>
+        </pc:sldMkLst>
+        <pc:spChg chg="mod">
+          <ac:chgData name="JAIME ANDRES POLANCO JIMENEZ" userId="f2f84798-1db9-4eff-baa4-ddb058c86f8b" providerId="ADAL" clId="{98F585FF-9821-0643-9956-B8E52E636CC7}" dt="2024-08-22T04:08:20.846" v="20" actId="1076"/>
+          <ac:spMkLst>
+            <pc:docMk/>
+            <pc:sldMk cId="1726480543" sldId="256"/>
+            <ac:spMk id="19" creationId="{608145F6-BF33-CB40-394F-8EB0991C7DC1}"/>
+          </ac:spMkLst>
+        </pc:spChg>
+        <pc:spChg chg="del mod">
+          <ac:chgData name="JAIME ANDRES POLANCO JIMENEZ" userId="f2f84798-1db9-4eff-baa4-ddb058c86f8b" providerId="ADAL" clId="{98F585FF-9821-0643-9956-B8E52E636CC7}" dt="2024-08-22T04:07:42.420" v="4" actId="478"/>
+          <ac:spMkLst>
+            <pc:docMk/>
+            <pc:sldMk cId="1726480543" sldId="256"/>
+            <ac:spMk id="20" creationId="{C919676A-B5BC-948D-414B-FC9FC2BC5B98}"/>
+          </ac:spMkLst>
+        </pc:spChg>
+        <pc:spChg chg="mod">
+          <ac:chgData name="JAIME ANDRES POLANCO JIMENEZ" userId="f2f84798-1db9-4eff-baa4-ddb058c86f8b" providerId="ADAL" clId="{98F585FF-9821-0643-9956-B8E52E636CC7}" dt="2024-08-22T04:08:13.919" v="17" actId="1076"/>
+          <ac:spMkLst>
+            <pc:docMk/>
+            <pc:sldMk cId="1726480543" sldId="256"/>
+            <ac:spMk id="21" creationId="{59398C8C-07CD-7A8A-531C-CC37E6C16ECF}"/>
+          </ac:spMkLst>
+        </pc:spChg>
+        <pc:spChg chg="mod">
+          <ac:chgData name="JAIME ANDRES POLANCO JIMENEZ" userId="f2f84798-1db9-4eff-baa4-ddb058c86f8b" providerId="ADAL" clId="{98F585FF-9821-0643-9956-B8E52E636CC7}" dt="2024-08-22T04:07:50.305" v="7"/>
+          <ac:spMkLst>
+            <pc:docMk/>
+            <pc:sldMk cId="1726480543" sldId="256"/>
+            <ac:spMk id="22" creationId="{D51991A0-532F-24B9-82D3-24F6E6590F5A}"/>
+          </ac:spMkLst>
+        </pc:spChg>
+        <pc:spChg chg="mod">
+          <ac:chgData name="JAIME ANDRES POLANCO JIMENEZ" userId="f2f84798-1db9-4eff-baa4-ddb058c86f8b" providerId="ADAL" clId="{98F585FF-9821-0643-9956-B8E52E636CC7}" dt="2024-08-22T04:07:57.604" v="11" actId="1076"/>
+          <ac:spMkLst>
+            <pc:docMk/>
+            <pc:sldMk cId="1726480543" sldId="256"/>
+            <ac:spMk id="24" creationId="{2921BDCE-5D86-D0A5-867E-3B71C0084047}"/>
+          </ac:spMkLst>
+        </pc:spChg>
+      </pc:sldChg>
+    </pc:docChg>
+  </pc:docChgLst>
+</pc:chgInfo>
 </file>
 
 <file path=ppt/slideLayouts/slideLayout1.xml><?xml version="1.0" encoding="utf-8"?>
@@ -256,7 +322,7 @@
           <a:p>
             <a:fld id="{DD33EFA3-132F-554A-8A18-3C7D39C24CFA}" type="datetimeFigureOut">
               <a:rPr lang="es-ES_tradnl" smtClean="0"/>
-              <a:t>21/7/24</a:t>
+              <a:t>21/8/24</a:t>
             </a:fld>
             <a:endParaRPr lang="es-ES_tradnl"/>
           </a:p>
@@ -456,7 +522,7 @@
           <a:p>
             <a:fld id="{DD33EFA3-132F-554A-8A18-3C7D39C24CFA}" type="datetimeFigureOut">
               <a:rPr lang="es-ES_tradnl" smtClean="0"/>
-              <a:t>21/7/24</a:t>
+              <a:t>21/8/24</a:t>
             </a:fld>
             <a:endParaRPr lang="es-ES_tradnl"/>
           </a:p>
@@ -666,7 +732,7 @@
           <a:p>
             <a:fld id="{DD33EFA3-132F-554A-8A18-3C7D39C24CFA}" type="datetimeFigureOut">
               <a:rPr lang="es-ES_tradnl" smtClean="0"/>
-              <a:t>21/7/24</a:t>
+              <a:t>21/8/24</a:t>
             </a:fld>
             <a:endParaRPr lang="es-ES_tradnl"/>
           </a:p>
@@ -866,7 +932,7 @@
           <a:p>
             <a:fld id="{DD33EFA3-132F-554A-8A18-3C7D39C24CFA}" type="datetimeFigureOut">
               <a:rPr lang="es-ES_tradnl" smtClean="0"/>
-              <a:t>21/7/24</a:t>
+              <a:t>21/8/24</a:t>
             </a:fld>
             <a:endParaRPr lang="es-ES_tradnl"/>
           </a:p>
@@ -1142,7 +1208,7 @@
           <a:p>
             <a:fld id="{DD33EFA3-132F-554A-8A18-3C7D39C24CFA}" type="datetimeFigureOut">
               <a:rPr lang="es-ES_tradnl" smtClean="0"/>
-              <a:t>21/7/24</a:t>
+              <a:t>21/8/24</a:t>
             </a:fld>
             <a:endParaRPr lang="es-ES_tradnl"/>
           </a:p>
@@ -1410,7 +1476,7 @@
           <a:p>
             <a:fld id="{DD33EFA3-132F-554A-8A18-3C7D39C24CFA}" type="datetimeFigureOut">
               <a:rPr lang="es-ES_tradnl" smtClean="0"/>
-              <a:t>21/7/24</a:t>
+              <a:t>21/8/24</a:t>
             </a:fld>
             <a:endParaRPr lang="es-ES_tradnl"/>
           </a:p>
@@ -1825,7 +1891,7 @@
           <a:p>
             <a:fld id="{DD33EFA3-132F-554A-8A18-3C7D39C24CFA}" type="datetimeFigureOut">
               <a:rPr lang="es-ES_tradnl" smtClean="0"/>
-              <a:t>21/7/24</a:t>
+              <a:t>21/8/24</a:t>
             </a:fld>
             <a:endParaRPr lang="es-ES_tradnl"/>
           </a:p>
@@ -1967,7 +2033,7 @@
           <a:p>
             <a:fld id="{DD33EFA3-132F-554A-8A18-3C7D39C24CFA}" type="datetimeFigureOut">
               <a:rPr lang="es-ES_tradnl" smtClean="0"/>
-              <a:t>21/7/24</a:t>
+              <a:t>21/8/24</a:t>
             </a:fld>
             <a:endParaRPr lang="es-ES_tradnl"/>
           </a:p>
@@ -2080,7 +2146,7 @@
           <a:p>
             <a:fld id="{DD33EFA3-132F-554A-8A18-3C7D39C24CFA}" type="datetimeFigureOut">
               <a:rPr lang="es-ES_tradnl" smtClean="0"/>
-              <a:t>21/7/24</a:t>
+              <a:t>21/8/24</a:t>
             </a:fld>
             <a:endParaRPr lang="es-ES_tradnl"/>
           </a:p>
@@ -2393,7 +2459,7 @@
           <a:p>
             <a:fld id="{DD33EFA3-132F-554A-8A18-3C7D39C24CFA}" type="datetimeFigureOut">
               <a:rPr lang="es-ES_tradnl" smtClean="0"/>
-              <a:t>21/7/24</a:t>
+              <a:t>21/8/24</a:t>
             </a:fld>
             <a:endParaRPr lang="es-ES_tradnl"/>
           </a:p>
@@ -2682,7 +2748,7 @@
           <a:p>
             <a:fld id="{DD33EFA3-132F-554A-8A18-3C7D39C24CFA}" type="datetimeFigureOut">
               <a:rPr lang="es-ES_tradnl" smtClean="0"/>
-              <a:t>21/7/24</a:t>
+              <a:t>21/8/24</a:t>
             </a:fld>
             <a:endParaRPr lang="es-ES_tradnl"/>
           </a:p>
@@ -2925,7 +2991,7 @@
           <a:p>
             <a:fld id="{DD33EFA3-132F-554A-8A18-3C7D39C24CFA}" type="datetimeFigureOut">
               <a:rPr lang="es-ES_tradnl" smtClean="0"/>
-              <a:t>21/7/24</a:t>
+              <a:t>21/8/24</a:t>
             </a:fld>
             <a:endParaRPr lang="es-ES_tradnl"/>
           </a:p>
@@ -3357,9 +3423,9 @@
         <p:grpSpPr>
           <a:xfrm>
             <a:off x="1113768" y="1699441"/>
-            <a:ext cx="10117856" cy="2322253"/>
+            <a:ext cx="10117856" cy="1844561"/>
             <a:chOff x="1113768" y="1699441"/>
-            <a:chExt cx="10117856" cy="2322253"/>
+            <a:chExt cx="10117856" cy="1844561"/>
           </a:xfrm>
         </p:grpSpPr>
         <p:sp>
@@ -3779,7 +3845,7 @@
           </p:nvSpPr>
           <p:spPr>
             <a:xfrm>
-              <a:off x="1703304" y="1978695"/>
+              <a:off x="1714302" y="1930495"/>
               <a:ext cx="1412585" cy="369332"/>
             </a:xfrm>
             <a:prstGeom prst="rect">
@@ -3796,40 +3862,8 @@
               <a:pPr algn="ctr"/>
               <a:r>
                 <a:rPr lang="es-ES_tradnl" dirty="0"/>
-                <a:t>±0.5</a:t>
+                <a:t>±0.5 </a:t>
               </a:r>
-            </a:p>
-          </p:txBody>
-        </p:sp>
-        <p:sp>
-          <p:nvSpPr>
-            <p:cNvPr id="20" name="TextBox 19">
-              <a:extLst>
-                <a:ext uri="{FF2B5EF4-FFF2-40B4-BE49-F238E27FC236}">
-                  <a16:creationId xmlns:a16="http://schemas.microsoft.com/office/drawing/2014/main" id="{C919676A-B5BC-948D-414B-FC9FC2BC5B98}"/>
-                </a:ext>
-              </a:extLst>
-            </p:cNvPr>
-            <p:cNvSpPr txBox="1"/>
-            <p:nvPr/>
-          </p:nvSpPr>
-          <p:spPr>
-            <a:xfrm>
-              <a:off x="5745901" y="3652362"/>
-              <a:ext cx="1412585" cy="369332"/>
-            </a:xfrm>
-            <a:prstGeom prst="rect">
-              <a:avLst/>
-            </a:prstGeom>
-            <a:noFill/>
-          </p:spPr>
-          <p:txBody>
-            <a:bodyPr wrap="square" rtlCol="0">
-              <a:spAutoFit/>
-            </a:bodyPr>
-            <a:lstStyle/>
-            <a:p>
-              <a:pPr algn="ctr"/>
               <a:r>
                 <a:rPr lang="es-ES_tradnl" dirty="0" err="1"/>
                 <a:t>Years</a:t>
@@ -3852,8 +3886,8 @@
           </p:nvSpPr>
           <p:spPr>
             <a:xfrm>
-              <a:off x="3334532" y="1978695"/>
-              <a:ext cx="1412585" cy="369332"/>
+              <a:off x="3355346" y="1785651"/>
+              <a:ext cx="1412585" cy="646331"/>
             </a:xfrm>
             <a:prstGeom prst="rect">
               <a:avLst/>
@@ -3869,8 +3903,16 @@
               <a:pPr algn="ctr"/>
               <a:r>
                 <a:rPr lang="es-ES_tradnl" dirty="0"/>
-                <a:t>1.5 - 2</a:t>
+                <a:t>1.5 – 2</a:t>
               </a:r>
+              <a:br>
+                <a:rPr lang="es-ES_tradnl" dirty="0"/>
+              </a:br>
+              <a:r>
+                <a:rPr lang="es-ES_tradnl" dirty="0" err="1"/>
+                <a:t>Years</a:t>
+              </a:r>
+              <a:endParaRPr lang="es-ES_tradnl" dirty="0"/>
             </a:p>
           </p:txBody>
         </p:sp>
@@ -3905,8 +3947,13 @@
               <a:pPr algn="ctr"/>
               <a:r>
                 <a:rPr lang="es-ES_tradnl" dirty="0"/>
-                <a:t>±10</a:t>
+                <a:t>±10 </a:t>
               </a:r>
+              <a:r>
+                <a:rPr lang="es-ES_tradnl" dirty="0" err="1"/>
+                <a:t>Years</a:t>
+              </a:r>
+              <a:endParaRPr lang="es-ES_tradnl" dirty="0"/>
             </a:p>
           </p:txBody>
         </p:sp>
@@ -3924,8 +3971,8 @@
           </p:nvSpPr>
           <p:spPr>
             <a:xfrm>
-              <a:off x="8661788" y="1930495"/>
-              <a:ext cx="1412585" cy="369332"/>
+              <a:off x="8704318" y="1791996"/>
+              <a:ext cx="1412585" cy="646331"/>
             </a:xfrm>
             <a:prstGeom prst="rect">
               <a:avLst/>
@@ -3941,8 +3988,13 @@
               <a:pPr algn="ctr"/>
               <a:r>
                 <a:rPr lang="es-ES_tradnl" dirty="0"/>
-                <a:t>25 - 30</a:t>
+                <a:t>25 – 30 </a:t>
               </a:r>
+              <a:r>
+                <a:rPr lang="es-ES_tradnl" dirty="0" err="1"/>
+                <a:t>Years</a:t>
+              </a:r>
+              <a:endParaRPr lang="es-ES_tradnl" dirty="0"/>
             </a:p>
           </p:txBody>
         </p:sp>
